--- a/MiT_docs/002. 구조설계서/Rough_Architecture_for_GDBMS_Migration_Tool_(IITP).pptx
+++ b/MiT_docs/002. 구조설계서/Rough_Architecture_for_GDBMS_Migration_Tool_(IITP).pptx
@@ -304,7 +304,7 @@
           <a:p>
             <a:fld id="{584EE3FC-D7E3-488F-AB60-39A2329F5767}" type="datetimeFigureOut">
               <a:rPr lang="ko-KR" altLang="en-US" smtClean="0"/>
-              <a:t>2021-11-18</a:t>
+              <a:t>2021-12-22</a:t>
             </a:fld>
             <a:endParaRPr lang="ko-KR" altLang="en-US"/>
           </a:p>
@@ -469,7 +469,7 @@
           <a:p>
             <a:fld id="{584EE3FC-D7E3-488F-AB60-39A2329F5767}" type="datetimeFigureOut">
               <a:rPr lang="ko-KR" altLang="en-US" smtClean="0"/>
-              <a:t>2021-11-18</a:t>
+              <a:t>2021-12-22</a:t>
             </a:fld>
             <a:endParaRPr lang="ko-KR" altLang="en-US"/>
           </a:p>
@@ -644,7 +644,7 @@
           <a:p>
             <a:fld id="{584EE3FC-D7E3-488F-AB60-39A2329F5767}" type="datetimeFigureOut">
               <a:rPr lang="ko-KR" altLang="en-US" smtClean="0"/>
-              <a:t>2021-11-18</a:t>
+              <a:t>2021-12-22</a:t>
             </a:fld>
             <a:endParaRPr lang="ko-KR" altLang="en-US"/>
           </a:p>
@@ -809,7 +809,7 @@
           <a:p>
             <a:fld id="{584EE3FC-D7E3-488F-AB60-39A2329F5767}" type="datetimeFigureOut">
               <a:rPr lang="ko-KR" altLang="en-US" smtClean="0"/>
-              <a:t>2021-11-18</a:t>
+              <a:t>2021-12-22</a:t>
             </a:fld>
             <a:endParaRPr lang="ko-KR" altLang="en-US"/>
           </a:p>
@@ -1050,7 +1050,7 @@
           <a:p>
             <a:fld id="{584EE3FC-D7E3-488F-AB60-39A2329F5767}" type="datetimeFigureOut">
               <a:rPr lang="ko-KR" altLang="en-US" smtClean="0"/>
-              <a:t>2021-11-18</a:t>
+              <a:t>2021-12-22</a:t>
             </a:fld>
             <a:endParaRPr lang="ko-KR" altLang="en-US"/>
           </a:p>
@@ -1333,7 +1333,7 @@
           <a:p>
             <a:fld id="{584EE3FC-D7E3-488F-AB60-39A2329F5767}" type="datetimeFigureOut">
               <a:rPr lang="ko-KR" altLang="en-US" smtClean="0"/>
-              <a:t>2021-11-18</a:t>
+              <a:t>2021-12-22</a:t>
             </a:fld>
             <a:endParaRPr lang="ko-KR" altLang="en-US"/>
           </a:p>
@@ -1750,7 +1750,7 @@
           <a:p>
             <a:fld id="{584EE3FC-D7E3-488F-AB60-39A2329F5767}" type="datetimeFigureOut">
               <a:rPr lang="ko-KR" altLang="en-US" smtClean="0"/>
-              <a:t>2021-11-18</a:t>
+              <a:t>2021-12-22</a:t>
             </a:fld>
             <a:endParaRPr lang="ko-KR" altLang="en-US"/>
           </a:p>
@@ -1863,7 +1863,7 @@
           <a:p>
             <a:fld id="{584EE3FC-D7E3-488F-AB60-39A2329F5767}" type="datetimeFigureOut">
               <a:rPr lang="ko-KR" altLang="en-US" smtClean="0"/>
-              <a:t>2021-11-18</a:t>
+              <a:t>2021-12-22</a:t>
             </a:fld>
             <a:endParaRPr lang="ko-KR" altLang="en-US"/>
           </a:p>
@@ -1953,7 +1953,7 @@
           <a:p>
             <a:fld id="{584EE3FC-D7E3-488F-AB60-39A2329F5767}" type="datetimeFigureOut">
               <a:rPr lang="ko-KR" altLang="en-US" smtClean="0"/>
-              <a:t>2021-11-18</a:t>
+              <a:t>2021-12-22</a:t>
             </a:fld>
             <a:endParaRPr lang="ko-KR" altLang="en-US"/>
           </a:p>
@@ -2225,7 +2225,7 @@
           <a:p>
             <a:fld id="{584EE3FC-D7E3-488F-AB60-39A2329F5767}" type="datetimeFigureOut">
               <a:rPr lang="ko-KR" altLang="en-US" smtClean="0"/>
-              <a:t>2021-11-18</a:t>
+              <a:t>2021-12-22</a:t>
             </a:fld>
             <a:endParaRPr lang="ko-KR" altLang="en-US"/>
           </a:p>
@@ -2473,7 +2473,7 @@
           <a:p>
             <a:fld id="{584EE3FC-D7E3-488F-AB60-39A2329F5767}" type="datetimeFigureOut">
               <a:rPr lang="ko-KR" altLang="en-US" smtClean="0"/>
-              <a:t>2021-11-18</a:t>
+              <a:t>2021-12-22</a:t>
             </a:fld>
             <a:endParaRPr lang="ko-KR" altLang="en-US"/>
           </a:p>
@@ -2681,7 +2681,7 @@
           <a:p>
             <a:fld id="{584EE3FC-D7E3-488F-AB60-39A2329F5767}" type="datetimeFigureOut">
               <a:rPr lang="ko-KR" altLang="en-US" smtClean="0"/>
-              <a:t>2021-11-18</a:t>
+              <a:t>2021-12-22</a:t>
             </a:fld>
             <a:endParaRPr lang="ko-KR" altLang="en-US"/>
           </a:p>
@@ -3180,61 +3180,14 @@
       </p:sp>
       <p:sp>
         <p:nvSpPr>
-          <p:cNvPr id="13" name="Rounded Rectangle 12"/>
+          <p:cNvPr id="17" name="Rectangle 16"/>
           <p:cNvSpPr/>
           <p:nvPr/>
         </p:nvSpPr>
         <p:spPr>
           <a:xfrm>
-            <a:off x="5004048" y="3908672"/>
-            <a:ext cx="2717938" cy="360040"/>
-          </a:xfrm>
-          <a:prstGeom prst="roundRect">
-            <a:avLst/>
-          </a:prstGeom>
-          <a:solidFill>
-            <a:srgbClr val="00B050"/>
-          </a:solidFill>
-        </p:spPr>
-        <p:style>
-          <a:lnRef idx="2">
-            <a:schemeClr val="accent1">
-              <a:shade val="50000"/>
-            </a:schemeClr>
-          </a:lnRef>
-          <a:fillRef idx="1">
-            <a:schemeClr val="accent1"/>
-          </a:fillRef>
-          <a:effectRef idx="0">
-            <a:schemeClr val="accent1"/>
-          </a:effectRef>
-          <a:fontRef idx="minor">
-            <a:schemeClr val="lt1"/>
-          </a:fontRef>
-        </p:style>
-        <p:txBody>
-          <a:bodyPr rtlCol="0" anchor="ctr"/>
-          <a:lstStyle/>
-          <a:p>
-            <a:pPr algn="ctr"/>
-            <a:r>
-              <a:rPr lang="en-US" altLang="ko-KR"/>
-              <a:t>Gremlin Server</a:t>
-            </a:r>
-            <a:endParaRPr lang="ko-KR" altLang="en-US"/>
-          </a:p>
-        </p:txBody>
-      </p:sp>
-      <p:sp>
-        <p:nvSpPr>
-          <p:cNvPr id="14" name="Rectangle 13"/>
-          <p:cNvSpPr/>
-          <p:nvPr/>
-        </p:nvSpPr>
-        <p:spPr>
-          <a:xfrm>
-            <a:off x="4860032" y="3670552"/>
-            <a:ext cx="2952000" cy="792088"/>
+            <a:off x="4860030" y="5151830"/>
+            <a:ext cx="2963207" cy="823328"/>
           </a:xfrm>
           <a:prstGeom prst="rect">
             <a:avLst/>
@@ -3271,113 +3224,20 @@
           </a:p>
         </p:txBody>
       </p:sp>
-      <p:sp>
-        <p:nvSpPr>
-          <p:cNvPr id="16" name="Rounded Rectangle 15"/>
-          <p:cNvSpPr/>
-          <p:nvPr/>
-        </p:nvSpPr>
-        <p:spPr>
-          <a:xfrm>
-            <a:off x="5004048" y="5445224"/>
-            <a:ext cx="2717939" cy="360040"/>
-          </a:xfrm>
-          <a:prstGeom prst="roundRect">
-            <a:avLst/>
-          </a:prstGeom>
-          <a:solidFill>
-            <a:srgbClr val="00B050"/>
-          </a:solidFill>
-        </p:spPr>
-        <p:style>
-          <a:lnRef idx="2">
-            <a:schemeClr val="accent1">
-              <a:shade val="50000"/>
-            </a:schemeClr>
-          </a:lnRef>
-          <a:fillRef idx="1">
-            <a:schemeClr val="accent1"/>
-          </a:fillRef>
-          <a:effectRef idx="0">
-            <a:schemeClr val="accent1"/>
-          </a:effectRef>
-          <a:fontRef idx="minor">
-            <a:schemeClr val="lt1"/>
-          </a:fontRef>
-        </p:style>
-        <p:txBody>
-          <a:bodyPr rtlCol="0" anchor="ctr"/>
-          <a:lstStyle/>
-          <a:p>
-            <a:pPr algn="ctr"/>
-            <a:r>
-              <a:rPr lang="en-US" altLang="ko-KR"/>
-              <a:t>JanusGraph</a:t>
-            </a:r>
-            <a:endParaRPr lang="ko-KR" altLang="en-US"/>
-          </a:p>
-        </p:txBody>
-      </p:sp>
-      <p:sp>
-        <p:nvSpPr>
-          <p:cNvPr id="17" name="Rectangle 16"/>
-          <p:cNvSpPr/>
-          <p:nvPr/>
-        </p:nvSpPr>
-        <p:spPr>
-          <a:xfrm>
-            <a:off x="4860030" y="4797152"/>
-            <a:ext cx="2963207" cy="1178006"/>
-          </a:xfrm>
-          <a:prstGeom prst="rect">
-            <a:avLst/>
-          </a:prstGeom>
-          <a:noFill/>
-          <a:ln w="41275">
-            <a:solidFill>
-              <a:schemeClr val="accent6"/>
-            </a:solidFill>
-          </a:ln>
-        </p:spPr>
-        <p:style>
-          <a:lnRef idx="2">
-            <a:schemeClr val="accent1">
-              <a:shade val="50000"/>
-            </a:schemeClr>
-          </a:lnRef>
-          <a:fillRef idx="1">
-            <a:schemeClr val="accent1"/>
-          </a:fillRef>
-          <a:effectRef idx="0">
-            <a:schemeClr val="accent1"/>
-          </a:effectRef>
-          <a:fontRef idx="minor">
-            <a:schemeClr val="lt1"/>
-          </a:fontRef>
-        </p:style>
-        <p:txBody>
-          <a:bodyPr rtlCol="0" anchor="ctr"/>
-          <a:lstStyle/>
-          <a:p>
-            <a:pPr algn="ctr"/>
-            <a:endParaRPr lang="ko-KR" altLang="en-US"/>
-          </a:p>
-        </p:txBody>
-      </p:sp>
       <p:cxnSp>
         <p:nvCxnSpPr>
           <p:cNvPr id="29" name="Straight Arrow Connector 28"/>
           <p:cNvCxnSpPr>
             <a:cxnSpLocks/>
-            <a:stCxn id="14" idx="2"/>
-            <a:endCxn id="17" idx="0"/>
+            <a:stCxn id="31" idx="2"/>
+            <a:endCxn id="28" idx="0"/>
           </p:cNvCxnSpPr>
           <p:nvPr/>
         </p:nvCxnSpPr>
         <p:spPr>
           <a:xfrm>
-            <a:off x="6336032" y="4462640"/>
-            <a:ext cx="5602" cy="334512"/>
+            <a:off x="6336032" y="3316224"/>
+            <a:ext cx="5604" cy="533870"/>
           </a:xfrm>
           <a:prstGeom prst="straightConnector1">
             <a:avLst/>
@@ -3552,7 +3412,7 @@
         </p:nvSpPr>
         <p:spPr>
           <a:xfrm>
-            <a:off x="5004048" y="4941168"/>
+            <a:off x="5004048" y="5373216"/>
             <a:ext cx="2699575" cy="360040"/>
           </a:xfrm>
           <a:prstGeom prst="roundRect">
@@ -3638,7 +3498,7 @@
             <a:pPr algn="ctr"/>
             <a:r>
               <a:rPr lang="en-US" altLang="ko-KR"/>
-              <a:t>Driver for IITP GDBMS</a:t>
+              <a:t>GraphDB Driver</a:t>
             </a:r>
             <a:endParaRPr lang="ko-KR" altLang="en-US"/>
           </a:p>
@@ -3696,50 +3556,6 @@
           </a:p>
         </p:txBody>
       </p:sp>
-      <p:cxnSp>
-        <p:nvCxnSpPr>
-          <p:cNvPr id="33" name="Straight Arrow Connector 28">
-            <a:extLst>
-              <a:ext uri="{FF2B5EF4-FFF2-40B4-BE49-F238E27FC236}">
-                <a16:creationId xmlns:a16="http://schemas.microsoft.com/office/drawing/2014/main" id="{AFF49DC8-20AA-4604-9770-53618D950CEF}"/>
-              </a:ext>
-            </a:extLst>
-          </p:cNvPr>
-          <p:cNvCxnSpPr>
-            <a:cxnSpLocks/>
-            <a:stCxn id="31" idx="2"/>
-            <a:endCxn id="14" idx="0"/>
-          </p:cNvCxnSpPr>
-          <p:nvPr/>
-        </p:nvCxnSpPr>
-        <p:spPr>
-          <a:xfrm>
-            <a:off x="6336032" y="3316224"/>
-            <a:ext cx="0" cy="354328"/>
-          </a:xfrm>
-          <a:prstGeom prst="straightConnector1">
-            <a:avLst/>
-          </a:prstGeom>
-          <a:ln w="31750">
-            <a:headEnd type="triangle"/>
-            <a:tailEnd type="triangle"/>
-          </a:ln>
-        </p:spPr>
-        <p:style>
-          <a:lnRef idx="1">
-            <a:schemeClr val="accent1"/>
-          </a:lnRef>
-          <a:fillRef idx="0">
-            <a:schemeClr val="accent1"/>
-          </a:fillRef>
-          <a:effectRef idx="0">
-            <a:schemeClr val="accent1"/>
-          </a:effectRef>
-          <a:fontRef idx="minor">
-            <a:schemeClr val="tx1"/>
-          </a:fontRef>
-        </p:style>
-      </p:cxnSp>
       <p:sp>
         <p:nvSpPr>
           <p:cNvPr id="36" name="Rounded Rectangle 3">
@@ -4033,6 +3849,159 @@
           <a:xfrm>
             <a:off x="3275856" y="3326128"/>
             <a:ext cx="0" cy="354328"/>
+          </a:xfrm>
+          <a:prstGeom prst="straightConnector1">
+            <a:avLst/>
+          </a:prstGeom>
+          <a:ln w="31750">
+            <a:headEnd type="triangle"/>
+            <a:tailEnd type="triangle"/>
+          </a:ln>
+        </p:spPr>
+        <p:style>
+          <a:lnRef idx="1">
+            <a:schemeClr val="accent1"/>
+          </a:lnRef>
+          <a:fillRef idx="0">
+            <a:schemeClr val="accent1"/>
+          </a:fillRef>
+          <a:effectRef idx="0">
+            <a:schemeClr val="accent1"/>
+          </a:effectRef>
+          <a:fontRef idx="minor">
+            <a:schemeClr val="tx1"/>
+          </a:fontRef>
+        </p:style>
+      </p:cxnSp>
+      <p:sp>
+        <p:nvSpPr>
+          <p:cNvPr id="28" name="Rectangle 16">
+            <a:extLst>
+              <a:ext uri="{FF2B5EF4-FFF2-40B4-BE49-F238E27FC236}">
+                <a16:creationId xmlns:a16="http://schemas.microsoft.com/office/drawing/2014/main" id="{682CE512-EDF7-4813-AAD2-5917F7E83E15}"/>
+              </a:ext>
+            </a:extLst>
+          </p:cNvPr>
+          <p:cNvSpPr/>
+          <p:nvPr/>
+        </p:nvSpPr>
+        <p:spPr>
+          <a:xfrm>
+            <a:off x="4860032" y="3850094"/>
+            <a:ext cx="2963207" cy="823328"/>
+          </a:xfrm>
+          <a:prstGeom prst="rect">
+            <a:avLst/>
+          </a:prstGeom>
+          <a:noFill/>
+          <a:ln w="41275">
+            <a:solidFill>
+              <a:schemeClr val="accent6"/>
+            </a:solidFill>
+          </a:ln>
+        </p:spPr>
+        <p:style>
+          <a:lnRef idx="2">
+            <a:schemeClr val="accent1">
+              <a:shade val="50000"/>
+            </a:schemeClr>
+          </a:lnRef>
+          <a:fillRef idx="1">
+            <a:schemeClr val="accent1"/>
+          </a:fillRef>
+          <a:effectRef idx="0">
+            <a:schemeClr val="accent1"/>
+          </a:effectRef>
+          <a:fontRef idx="minor">
+            <a:schemeClr val="lt1"/>
+          </a:fontRef>
+        </p:style>
+        <p:txBody>
+          <a:bodyPr rtlCol="0" anchor="ctr"/>
+          <a:lstStyle/>
+          <a:p>
+            <a:pPr algn="ctr"/>
+            <a:r>
+              <a:rPr lang="en-US" altLang="ko-KR"/>
+              <a:t>0</a:t>
+            </a:r>
+            <a:endParaRPr lang="ko-KR" altLang="en-US"/>
+          </a:p>
+        </p:txBody>
+      </p:sp>
+      <p:sp>
+        <p:nvSpPr>
+          <p:cNvPr id="32" name="Rounded Rectangle 15">
+            <a:extLst>
+              <a:ext uri="{FF2B5EF4-FFF2-40B4-BE49-F238E27FC236}">
+                <a16:creationId xmlns:a16="http://schemas.microsoft.com/office/drawing/2014/main" id="{2A1B6F0A-4DE6-4B11-855B-8541A72C98F4}"/>
+              </a:ext>
+            </a:extLst>
+          </p:cNvPr>
+          <p:cNvSpPr/>
+          <p:nvPr/>
+        </p:nvSpPr>
+        <p:spPr>
+          <a:xfrm>
+            <a:off x="4992843" y="4071480"/>
+            <a:ext cx="2699575" cy="360040"/>
+          </a:xfrm>
+          <a:prstGeom prst="roundRect">
+            <a:avLst/>
+          </a:prstGeom>
+          <a:solidFill>
+            <a:srgbClr val="00B050"/>
+          </a:solidFill>
+        </p:spPr>
+        <p:style>
+          <a:lnRef idx="2">
+            <a:schemeClr val="accent1">
+              <a:shade val="50000"/>
+            </a:schemeClr>
+          </a:lnRef>
+          <a:fillRef idx="1">
+            <a:schemeClr val="accent1"/>
+          </a:fillRef>
+          <a:effectRef idx="0">
+            <a:schemeClr val="accent1"/>
+          </a:effectRef>
+          <a:fontRef idx="minor">
+            <a:schemeClr val="lt1"/>
+          </a:fontRef>
+        </p:style>
+        <p:txBody>
+          <a:bodyPr rtlCol="0" anchor="ctr"/>
+          <a:lstStyle/>
+          <a:p>
+            <a:pPr algn="ctr"/>
+            <a:r>
+              <a:rPr lang="en-US" altLang="ko-KR"/>
+              <a:t>Server for GQL</a:t>
+            </a:r>
+            <a:endParaRPr lang="ko-KR" altLang="en-US"/>
+          </a:p>
+        </p:txBody>
+      </p:sp>
+      <p:cxnSp>
+        <p:nvCxnSpPr>
+          <p:cNvPr id="34" name="Straight Arrow Connector 28">
+            <a:extLst>
+              <a:ext uri="{FF2B5EF4-FFF2-40B4-BE49-F238E27FC236}">
+                <a16:creationId xmlns:a16="http://schemas.microsoft.com/office/drawing/2014/main" id="{E1D96702-4683-46B6-BC4F-A6CE671CFE60}"/>
+              </a:ext>
+            </a:extLst>
+          </p:cNvPr>
+          <p:cNvCxnSpPr>
+            <a:cxnSpLocks/>
+            <a:stCxn id="28" idx="2"/>
+            <a:endCxn id="17" idx="0"/>
+          </p:cNvCxnSpPr>
+          <p:nvPr/>
+        </p:nvCxnSpPr>
+        <p:spPr>
+          <a:xfrm flipH="1">
+            <a:off x="6341634" y="4673422"/>
+            <a:ext cx="2" cy="478408"/>
           </a:xfrm>
           <a:prstGeom prst="straightConnector1">
             <a:avLst/>
